--- a/CursoEF6.pptx
+++ b/CursoEF6.pptx
@@ -5,7 +5,7 @@
     <p:sldMasterId id="2147483648" r:id="rId1"/>
   </p:sldMasterIdLst>
   <p:notesMasterIdLst>
-    <p:notesMasterId r:id="rId28"/>
+    <p:notesMasterId r:id="rId30"/>
   </p:notesMasterIdLst>
   <p:sldIdLst>
     <p:sldId id="256" r:id="rId2"/>
@@ -34,6 +34,8 @@
     <p:sldId id="278" r:id="rId25"/>
     <p:sldId id="280" r:id="rId26"/>
     <p:sldId id="281" r:id="rId27"/>
+    <p:sldId id="282" r:id="rId28"/>
+    <p:sldId id="283" r:id="rId29"/>
   </p:sldIdLst>
   <p:sldSz cx="9144000" cy="5715000" type="screen16x10"/>
   <p:notesSz cx="6858000" cy="9144000"/>
@@ -218,7 +220,7 @@
             <a:fld id="{AF96CFD5-D292-4F76-AF34-F936F97C35B6}" type="datetimeFigureOut">
               <a:rPr lang="es-ES" smtClean="0"/>
               <a:pPr/>
-              <a:t>20/08/2022</a:t>
+              <a:t>25/08/2022</a:t>
             </a:fld>
             <a:endParaRPr lang="es-ES"/>
           </a:p>
@@ -3118,15 +3120,7 @@
             </a:r>
             <a:r>
               <a:rPr lang="es-MX" baseline="0" dirty="0" smtClean="0"/>
-              <a:t> generar el periodo y posteriormente crear uno por uno los cursos y las calificaciones, en base a la información obtenida de la </a:t>
-            </a:r>
-            <a:r>
-              <a:rPr lang="es-MX" baseline="0" dirty="0" smtClean="0"/>
-              <a:t>consulta inicial. </a:t>
-            </a:r>
-            <a:r>
-              <a:rPr lang="es-MX" baseline="0" dirty="0" smtClean="0"/>
-              <a:t>Además modificaremos el semestre actual del alumno. Encerraremos la </a:t>
+              <a:t> generar el periodo y posteriormente crear uno por uno los cursos y las calificaciones, en base a la información obtenida de la consulta inicial. Además modificaremos el semestre actual del alumno. Encerraremos la </a:t>
             </a:r>
             <a:r>
               <a:rPr lang="es-MX" baseline="0" dirty="0" err="1" smtClean="0"/>
@@ -3134,27 +3128,7 @@
             </a:r>
             <a:r>
               <a:rPr lang="es-MX" baseline="0" dirty="0" smtClean="0"/>
-              <a:t> del periodo, los cursos y calificaciones y la modificación del semestre del alumno dentro de una transacción. Para evitar que la transacción se tarde o existan bloqueos por la </a:t>
-            </a:r>
-            <a:r>
-              <a:rPr lang="es-MX" baseline="0" dirty="0" smtClean="0"/>
-              <a:t>consulta, </a:t>
-            </a:r>
-            <a:r>
-              <a:rPr lang="es-MX" baseline="0" dirty="0" smtClean="0"/>
-              <a:t>la estrategia es consultar los datos al inicio, fuera de la transacción y </a:t>
-            </a:r>
-            <a:r>
-              <a:rPr lang="es-MX" baseline="0" dirty="0" smtClean="0"/>
-              <a:t>esta debe </a:t>
-            </a:r>
-            <a:r>
-              <a:rPr lang="es-MX" baseline="0" dirty="0" smtClean="0"/>
-              <a:t>traer todos los datos para la creación de los cursos y calificaciones</a:t>
-            </a:r>
-            <a:r>
-              <a:rPr lang="es-MX" baseline="0" dirty="0" smtClean="0"/>
-              <a:t>. De igual manera la consulta debe considerar si el alumno puede llevar el curso evaluando si tiene una calificación aprobatoria en la </a:t>
+              <a:t> del periodo, los cursos y calificaciones y la modificación del semestre del alumno dentro de una transacción. Para evitar que la transacción se tarde o existan bloqueos por la consulta, la estrategia es consultar los datos al inicio, fuera de la transacción y esta debe traer todos los datos para la creación de los cursos y calificaciones. De igual manera la consulta debe considerar si el alumno puede llevar el curso evaluando si tiene una calificación aprobatoria en la </a:t>
             </a:r>
             <a:r>
               <a:rPr lang="es-MX" baseline="0" smtClean="0"/>
@@ -3183,6 +3157,328 @@
               <a:rPr lang="es-ES" smtClean="0"/>
               <a:pPr/>
               <a:t>26</a:t>
+            </a:fld>
+            <a:endParaRPr lang="es-ES"/>
+          </a:p>
+        </p:txBody>
+      </p:sp>
+    </p:spTree>
+  </p:cSld>
+  <p:clrMapOvr>
+    <a:masterClrMapping/>
+  </p:clrMapOvr>
+</p:notes>
+</file>
+
+<file path=ppt/notesSlides/notesSlide26.xml><?xml version="1.0" encoding="utf-8"?>
+<p:notes xmlns:a="http://schemas.openxmlformats.org/drawingml/2006/main" xmlns:r="http://schemas.openxmlformats.org/officeDocument/2006/relationships" xmlns:p="http://schemas.openxmlformats.org/presentationml/2006/main">
+  <p:cSld>
+    <p:spTree>
+      <p:nvGrpSpPr>
+        <p:cNvPr id="1" name=""/>
+        <p:cNvGrpSpPr/>
+        <p:nvPr/>
+      </p:nvGrpSpPr>
+      <p:grpSpPr>
+        <a:xfrm>
+          <a:off x="0" y="0"/>
+          <a:ext cx="0" cy="0"/>
+          <a:chOff x="0" y="0"/>
+          <a:chExt cx="0" cy="0"/>
+        </a:xfrm>
+      </p:grpSpPr>
+      <p:sp>
+        <p:nvSpPr>
+          <p:cNvPr id="2" name="1 Marcador de imagen de diapositiva"/>
+          <p:cNvSpPr>
+            <a:spLocks noGrp="1" noRot="1" noChangeAspect="1"/>
+          </p:cNvSpPr>
+          <p:nvPr>
+            <p:ph type="sldImg"/>
+          </p:nvPr>
+        </p:nvSpPr>
+        <p:spPr>
+          <a:xfrm>
+            <a:off x="685800" y="685800"/>
+            <a:ext cx="5486400" cy="3429000"/>
+          </a:xfrm>
+        </p:spPr>
+      </p:sp>
+      <p:sp>
+        <p:nvSpPr>
+          <p:cNvPr id="3" name="2 Marcador de notas"/>
+          <p:cNvSpPr>
+            <a:spLocks noGrp="1"/>
+          </p:cNvSpPr>
+          <p:nvPr>
+            <p:ph type="body" idx="1"/>
+          </p:nvPr>
+        </p:nvSpPr>
+        <p:spPr/>
+        <p:txBody>
+          <a:bodyPr>
+            <a:normAutofit/>
+          </a:bodyPr>
+          <a:lstStyle/>
+          <a:p>
+            <a:r>
+              <a:rPr lang="es-MX" dirty="0" smtClean="0"/>
+              <a:t>En conclusión vimos</a:t>
+            </a:r>
+            <a:r>
+              <a:rPr lang="es-MX" baseline="0" dirty="0" smtClean="0"/>
+              <a:t> como crear la base de datos a partir de las entidades y vimos las migraciones. Agregamos, eliminamos con los </a:t>
+            </a:r>
+            <a:r>
+              <a:rPr lang="es-MX" baseline="0" dirty="0" err="1" smtClean="0"/>
+              <a:t>metodos</a:t>
+            </a:r>
+            <a:r>
+              <a:rPr lang="es-MX" baseline="0" dirty="0" smtClean="0"/>
+              <a:t> de la clase que hereda de </a:t>
+            </a:r>
+            <a:r>
+              <a:rPr lang="es-MX" baseline="0" dirty="0" err="1" smtClean="0"/>
+              <a:t>DbContext</a:t>
+            </a:r>
+            <a:r>
+              <a:rPr lang="es-MX" baseline="0" dirty="0" smtClean="0"/>
+              <a:t>. Finalmente al consultar lo hacemos con </a:t>
+            </a:r>
+            <a:r>
+              <a:rPr lang="es-MX" baseline="0" dirty="0" err="1" smtClean="0"/>
+              <a:t>linq</a:t>
+            </a:r>
+            <a:r>
+              <a:rPr lang="es-MX" baseline="0" dirty="0" smtClean="0"/>
+              <a:t>. Usando </a:t>
+            </a:r>
+            <a:r>
+              <a:rPr lang="es-MX" baseline="0" dirty="0" err="1" smtClean="0"/>
+              <a:t>linq</a:t>
+            </a:r>
+            <a:r>
+              <a:rPr lang="es-MX" baseline="0" dirty="0" smtClean="0"/>
+              <a:t> evitamos las entidades relacionadas y las cargas de tipo </a:t>
+            </a:r>
+            <a:r>
+              <a:rPr lang="es-MX" baseline="0" dirty="0" err="1" smtClean="0"/>
+              <a:t>eager</a:t>
+            </a:r>
+            <a:r>
+              <a:rPr lang="es-MX" baseline="0" dirty="0" smtClean="0"/>
+              <a:t>, donde se cargan todas las entidades relacionadas de un solo golpe o de tipo </a:t>
+            </a:r>
+            <a:r>
+              <a:rPr lang="es-MX" baseline="0" dirty="0" err="1" smtClean="0"/>
+              <a:t>Lazy</a:t>
+            </a:r>
+            <a:r>
+              <a:rPr lang="es-MX" baseline="0" dirty="0" smtClean="0"/>
+              <a:t>, donde se carga solo lo necesario, pero con el problema del uso, como la </a:t>
+            </a:r>
+            <a:r>
+              <a:rPr lang="es-MX" baseline="0" dirty="0" err="1" smtClean="0"/>
+              <a:t>serialización</a:t>
+            </a:r>
+            <a:r>
+              <a:rPr lang="es-MX" baseline="0" dirty="0" smtClean="0"/>
+              <a:t>. Además, con </a:t>
+            </a:r>
+            <a:r>
+              <a:rPr lang="es-MX" baseline="0" dirty="0" err="1" smtClean="0"/>
+              <a:t>linq</a:t>
+            </a:r>
+            <a:r>
+              <a:rPr lang="es-MX" baseline="0" dirty="0" smtClean="0"/>
+              <a:t> solo traemos la información requerida, pues los datos relacionados pueden ser muy grandes, sobre todo aquellos que representan datos históricos de un periodo largo.</a:t>
+            </a:r>
+            <a:endParaRPr lang="es-ES" dirty="0"/>
+          </a:p>
+        </p:txBody>
+      </p:sp>
+      <p:sp>
+        <p:nvSpPr>
+          <p:cNvPr id="4" name="3 Marcador de número de diapositiva"/>
+          <p:cNvSpPr>
+            <a:spLocks noGrp="1"/>
+          </p:cNvSpPr>
+          <p:nvPr>
+            <p:ph type="sldNum" sz="quarter" idx="10"/>
+          </p:nvPr>
+        </p:nvSpPr>
+        <p:spPr/>
+        <p:txBody>
+          <a:bodyPr/>
+          <a:lstStyle/>
+          <a:p>
+            <a:fld id="{14BEE9A1-37A2-4950-B49A-AB44DC43C400}" type="slidenum">
+              <a:rPr lang="es-ES" smtClean="0"/>
+              <a:pPr/>
+              <a:t>27</a:t>
+            </a:fld>
+            <a:endParaRPr lang="es-ES"/>
+          </a:p>
+        </p:txBody>
+      </p:sp>
+    </p:spTree>
+  </p:cSld>
+  <p:clrMapOvr>
+    <a:masterClrMapping/>
+  </p:clrMapOvr>
+</p:notes>
+</file>
+
+<file path=ppt/notesSlides/notesSlide27.xml><?xml version="1.0" encoding="utf-8"?>
+<p:notes xmlns:a="http://schemas.openxmlformats.org/drawingml/2006/main" xmlns:r="http://schemas.openxmlformats.org/officeDocument/2006/relationships" xmlns:p="http://schemas.openxmlformats.org/presentationml/2006/main">
+  <p:cSld>
+    <p:spTree>
+      <p:nvGrpSpPr>
+        <p:cNvPr id="1" name=""/>
+        <p:cNvGrpSpPr/>
+        <p:nvPr/>
+      </p:nvGrpSpPr>
+      <p:grpSpPr>
+        <a:xfrm>
+          <a:off x="0" y="0"/>
+          <a:ext cx="0" cy="0"/>
+          <a:chOff x="0" y="0"/>
+          <a:chExt cx="0" cy="0"/>
+        </a:xfrm>
+      </p:grpSpPr>
+      <p:sp>
+        <p:nvSpPr>
+          <p:cNvPr id="2" name="1 Marcador de imagen de diapositiva"/>
+          <p:cNvSpPr>
+            <a:spLocks noGrp="1" noRot="1" noChangeAspect="1"/>
+          </p:cNvSpPr>
+          <p:nvPr>
+            <p:ph type="sldImg"/>
+          </p:nvPr>
+        </p:nvSpPr>
+        <p:spPr>
+          <a:xfrm>
+            <a:off x="685800" y="685800"/>
+            <a:ext cx="5486400" cy="3429000"/>
+          </a:xfrm>
+        </p:spPr>
+      </p:sp>
+      <p:sp>
+        <p:nvSpPr>
+          <p:cNvPr id="3" name="2 Marcador de notas"/>
+          <p:cNvSpPr>
+            <a:spLocks noGrp="1"/>
+          </p:cNvSpPr>
+          <p:nvPr>
+            <p:ph type="body" idx="1"/>
+          </p:nvPr>
+        </p:nvSpPr>
+        <p:spPr/>
+        <p:txBody>
+          <a:bodyPr>
+            <a:normAutofit/>
+          </a:bodyPr>
+          <a:lstStyle/>
+          <a:p>
+            <a:r>
+              <a:rPr lang="es-MX" dirty="0" smtClean="0"/>
+              <a:t>En conclusión vimos</a:t>
+            </a:r>
+            <a:r>
+              <a:rPr lang="es-MX" baseline="0" dirty="0" smtClean="0"/>
+              <a:t> como crear la base de datos a partir de las entidades y vimos las migraciones. Agregamos, eliminamos con los </a:t>
+            </a:r>
+            <a:r>
+              <a:rPr lang="es-MX" baseline="0" dirty="0" err="1" smtClean="0"/>
+              <a:t>metodos</a:t>
+            </a:r>
+            <a:r>
+              <a:rPr lang="es-MX" baseline="0" dirty="0" smtClean="0"/>
+              <a:t> de la clase que hereda de </a:t>
+            </a:r>
+            <a:r>
+              <a:rPr lang="es-MX" baseline="0" dirty="0" err="1" smtClean="0"/>
+              <a:t>DbContext</a:t>
+            </a:r>
+            <a:r>
+              <a:rPr lang="es-MX" baseline="0" dirty="0" smtClean="0"/>
+              <a:t>. Finalmente al consultar lo hacemos con </a:t>
+            </a:r>
+            <a:r>
+              <a:rPr lang="es-MX" baseline="0" dirty="0" err="1" smtClean="0"/>
+              <a:t>linq</a:t>
+            </a:r>
+            <a:r>
+              <a:rPr lang="es-MX" baseline="0" dirty="0" smtClean="0"/>
+              <a:t>. Usando </a:t>
+            </a:r>
+            <a:r>
+              <a:rPr lang="es-MX" baseline="0" dirty="0" err="1" smtClean="0"/>
+              <a:t>linq</a:t>
+            </a:r>
+            <a:r>
+              <a:rPr lang="es-MX" baseline="0" dirty="0" smtClean="0"/>
+              <a:t> evitamos las entidades relacionadas y las cargas de tipo </a:t>
+            </a:r>
+            <a:r>
+              <a:rPr lang="es-MX" baseline="0" dirty="0" err="1" smtClean="0"/>
+              <a:t>eager</a:t>
+            </a:r>
+            <a:r>
+              <a:rPr lang="es-MX" baseline="0" dirty="0" smtClean="0"/>
+              <a:t>, donde se cargan todas las entidades relacionadas de un solo golpe o de tipo </a:t>
+            </a:r>
+            <a:r>
+              <a:rPr lang="es-MX" baseline="0" dirty="0" err="1" smtClean="0"/>
+              <a:t>Lazy</a:t>
+            </a:r>
+            <a:r>
+              <a:rPr lang="es-MX" baseline="0" dirty="0" smtClean="0"/>
+              <a:t>, donde se carga solo lo necesario, pero con el problema del uso, como la </a:t>
+            </a:r>
+            <a:r>
+              <a:rPr lang="es-MX" baseline="0" dirty="0" err="1" smtClean="0"/>
+              <a:t>serialización</a:t>
+            </a:r>
+            <a:r>
+              <a:rPr lang="es-MX" baseline="0" dirty="0" smtClean="0"/>
+              <a:t>. Además, con </a:t>
+            </a:r>
+            <a:r>
+              <a:rPr lang="es-MX" baseline="0" dirty="0" err="1" smtClean="0"/>
+              <a:t>linq</a:t>
+            </a:r>
+            <a:r>
+              <a:rPr lang="es-MX" baseline="0" dirty="0" smtClean="0"/>
+              <a:t> solo traemos la información requerida, pues los datos relacionados pueden ser muy grandes, sobre todo aquellos que representan datos históricos de un </a:t>
+            </a:r>
+            <a:r>
+              <a:rPr lang="es-MX" baseline="0" smtClean="0"/>
+              <a:t>periodo largo.</a:t>
+            </a:r>
+            <a:endParaRPr lang="es-ES" dirty="0"/>
+          </a:p>
+        </p:txBody>
+      </p:sp>
+      <p:sp>
+        <p:nvSpPr>
+          <p:cNvPr id="4" name="3 Marcador de número de diapositiva"/>
+          <p:cNvSpPr>
+            <a:spLocks noGrp="1"/>
+          </p:cNvSpPr>
+          <p:nvPr>
+            <p:ph type="sldNum" sz="quarter" idx="10"/>
+          </p:nvPr>
+        </p:nvSpPr>
+        <p:spPr/>
+        <p:txBody>
+          <a:bodyPr/>
+          <a:lstStyle/>
+          <a:p>
+            <a:fld id="{14BEE9A1-37A2-4950-B49A-AB44DC43C400}" type="slidenum">
+              <a:rPr lang="es-ES" smtClean="0"/>
+              <a:pPr/>
+              <a:t>28</a:t>
             </a:fld>
             <a:endParaRPr lang="es-ES"/>
           </a:p>
@@ -4632,7 +4928,7 @@
             <a:fld id="{CF1018FD-8CA1-4A91-A0D2-F0EDBD7F4513}" type="datetimeFigureOut">
               <a:rPr lang="es-ES" smtClean="0"/>
               <a:pPr/>
-              <a:t>20/08/2022</a:t>
+              <a:t>25/08/2022</a:t>
             </a:fld>
             <a:endParaRPr lang="es-ES"/>
           </a:p>
@@ -4807,7 +5103,7 @@
             <a:fld id="{CF1018FD-8CA1-4A91-A0D2-F0EDBD7F4513}" type="datetimeFigureOut">
               <a:rPr lang="es-ES" smtClean="0"/>
               <a:pPr/>
-              <a:t>20/08/2022</a:t>
+              <a:t>25/08/2022</a:t>
             </a:fld>
             <a:endParaRPr lang="es-ES"/>
           </a:p>
@@ -4992,7 +5288,7 @@
             <a:fld id="{CF1018FD-8CA1-4A91-A0D2-F0EDBD7F4513}" type="datetimeFigureOut">
               <a:rPr lang="es-ES" smtClean="0"/>
               <a:pPr/>
-              <a:t>20/08/2022</a:t>
+              <a:t>25/08/2022</a:t>
             </a:fld>
             <a:endParaRPr lang="es-ES"/>
           </a:p>
@@ -5167,7 +5463,7 @@
             <a:fld id="{CF1018FD-8CA1-4A91-A0D2-F0EDBD7F4513}" type="datetimeFigureOut">
               <a:rPr lang="es-ES" smtClean="0"/>
               <a:pPr/>
-              <a:t>20/08/2022</a:t>
+              <a:t>25/08/2022</a:t>
             </a:fld>
             <a:endParaRPr lang="es-ES"/>
           </a:p>
@@ -5418,7 +5714,7 @@
             <a:fld id="{CF1018FD-8CA1-4A91-A0D2-F0EDBD7F4513}" type="datetimeFigureOut">
               <a:rPr lang="es-ES" smtClean="0"/>
               <a:pPr/>
-              <a:t>20/08/2022</a:t>
+              <a:t>25/08/2022</a:t>
             </a:fld>
             <a:endParaRPr lang="es-ES"/>
           </a:p>
@@ -5711,7 +6007,7 @@
             <a:fld id="{CF1018FD-8CA1-4A91-A0D2-F0EDBD7F4513}" type="datetimeFigureOut">
               <a:rPr lang="es-ES" smtClean="0"/>
               <a:pPr/>
-              <a:t>20/08/2022</a:t>
+              <a:t>25/08/2022</a:t>
             </a:fld>
             <a:endParaRPr lang="es-ES"/>
           </a:p>
@@ -6138,7 +6434,7 @@
             <a:fld id="{CF1018FD-8CA1-4A91-A0D2-F0EDBD7F4513}" type="datetimeFigureOut">
               <a:rPr lang="es-ES" smtClean="0"/>
               <a:pPr/>
-              <a:t>20/08/2022</a:t>
+              <a:t>25/08/2022</a:t>
             </a:fld>
             <a:endParaRPr lang="es-ES"/>
           </a:p>
@@ -6261,7 +6557,7 @@
             <a:fld id="{CF1018FD-8CA1-4A91-A0D2-F0EDBD7F4513}" type="datetimeFigureOut">
               <a:rPr lang="es-ES" smtClean="0"/>
               <a:pPr/>
-              <a:t>20/08/2022</a:t>
+              <a:t>25/08/2022</a:t>
             </a:fld>
             <a:endParaRPr lang="es-ES"/>
           </a:p>
@@ -6361,7 +6657,7 @@
             <a:fld id="{CF1018FD-8CA1-4A91-A0D2-F0EDBD7F4513}" type="datetimeFigureOut">
               <a:rPr lang="es-ES" smtClean="0"/>
               <a:pPr/>
-              <a:t>20/08/2022</a:t>
+              <a:t>25/08/2022</a:t>
             </a:fld>
             <a:endParaRPr lang="es-ES"/>
           </a:p>
@@ -6643,7 +6939,7 @@
             <a:fld id="{CF1018FD-8CA1-4A91-A0D2-F0EDBD7F4513}" type="datetimeFigureOut">
               <a:rPr lang="es-ES" smtClean="0"/>
               <a:pPr/>
-              <a:t>20/08/2022</a:t>
+              <a:t>25/08/2022</a:t>
             </a:fld>
             <a:endParaRPr lang="es-ES"/>
           </a:p>
@@ -6901,7 +7197,7 @@
             <a:fld id="{CF1018FD-8CA1-4A91-A0D2-F0EDBD7F4513}" type="datetimeFigureOut">
               <a:rPr lang="es-ES" smtClean="0"/>
               <a:pPr/>
-              <a:t>20/08/2022</a:t>
+              <a:t>25/08/2022</a:t>
             </a:fld>
             <a:endParaRPr lang="es-ES"/>
           </a:p>
@@ -7125,7 +7421,7 @@
             <a:fld id="{CF1018FD-8CA1-4A91-A0D2-F0EDBD7F4513}" type="datetimeFigureOut">
               <a:rPr lang="es-ES" smtClean="0"/>
               <a:pPr/>
-              <a:t>20/08/2022</a:t>
+              <a:t>25/08/2022</a:t>
             </a:fld>
             <a:endParaRPr lang="es-ES"/>
           </a:p>
@@ -14981,6 +15277,360 @@
               <a:t>Transacción</a:t>
             </a:r>
             <a:endParaRPr lang="es-ES" sz="2400" b="1" dirty="0">
+              <a:latin typeface="Roboto" pitchFamily="2" charset="0"/>
+              <a:ea typeface="Roboto" pitchFamily="2" charset="0"/>
+            </a:endParaRPr>
+          </a:p>
+        </p:txBody>
+      </p:sp>
+    </p:spTree>
+  </p:cSld>
+  <p:clrMapOvr>
+    <a:masterClrMapping/>
+  </p:clrMapOvr>
+  <p:timing>
+    <p:tnLst>
+      <p:par>
+        <p:cTn id="1" dur="indefinite" restart="never" nodeType="tmRoot"/>
+      </p:par>
+    </p:tnLst>
+  </p:timing>
+</p:sld>
+</file>
+
+<file path=ppt/slides/slide27.xml><?xml version="1.0" encoding="utf-8"?>
+<p:sld xmlns:a="http://schemas.openxmlformats.org/drawingml/2006/main" xmlns:r="http://schemas.openxmlformats.org/officeDocument/2006/relationships" xmlns:p="http://schemas.openxmlformats.org/presentationml/2006/main">
+  <p:cSld>
+    <p:spTree>
+      <p:nvGrpSpPr>
+        <p:cNvPr id="1" name=""/>
+        <p:cNvGrpSpPr/>
+        <p:nvPr/>
+      </p:nvGrpSpPr>
+      <p:grpSpPr>
+        <a:xfrm>
+          <a:off x="0" y="0"/>
+          <a:ext cx="0" cy="0"/>
+          <a:chOff x="0" y="0"/>
+          <a:chExt cx="0" cy="0"/>
+        </a:xfrm>
+      </p:grpSpPr>
+      <p:sp>
+        <p:nvSpPr>
+          <p:cNvPr id="2" name="1 Título"/>
+          <p:cNvSpPr>
+            <a:spLocks noGrp="1"/>
+          </p:cNvSpPr>
+          <p:nvPr>
+            <p:ph type="title"/>
+          </p:nvPr>
+        </p:nvSpPr>
+        <p:spPr>
+          <a:xfrm>
+            <a:off x="457200" y="228865"/>
+            <a:ext cx="8229600" cy="914124"/>
+          </a:xfrm>
+        </p:spPr>
+        <p:txBody>
+          <a:bodyPr>
+            <a:normAutofit/>
+          </a:bodyPr>
+          <a:lstStyle/>
+          <a:p>
+            <a:r>
+              <a:rPr lang="es-MX" b="1" dirty="0" smtClean="0">
+                <a:latin typeface="Roboto" pitchFamily="2" charset="0"/>
+                <a:ea typeface="Roboto" pitchFamily="2" charset="0"/>
+              </a:rPr>
+              <a:t>Resumen</a:t>
+            </a:r>
+            <a:endParaRPr lang="es-ES" b="1" dirty="0">
+              <a:latin typeface="Roboto" pitchFamily="2" charset="0"/>
+              <a:ea typeface="Roboto" pitchFamily="2" charset="0"/>
+            </a:endParaRPr>
+          </a:p>
+        </p:txBody>
+      </p:sp>
+      <p:sp>
+        <p:nvSpPr>
+          <p:cNvPr id="17" name="16 CuadroTexto"/>
+          <p:cNvSpPr txBox="1"/>
+          <p:nvPr/>
+        </p:nvSpPr>
+        <p:spPr>
+          <a:xfrm>
+            <a:off x="500034" y="1357302"/>
+            <a:ext cx="8215370" cy="3785652"/>
+          </a:xfrm>
+          <a:prstGeom prst="rect">
+            <a:avLst/>
+          </a:prstGeom>
+          <a:noFill/>
+        </p:spPr>
+        <p:txBody>
+          <a:bodyPr wrap="square" rtlCol="0">
+            <a:spAutoFit/>
+          </a:bodyPr>
+          <a:lstStyle/>
+          <a:p>
+            <a:pPr>
+              <a:lnSpc>
+                <a:spcPct val="150000"/>
+              </a:lnSpc>
+              <a:buFont typeface="Arial" pitchFamily="34" charset="0"/>
+              <a:buChar char="•"/>
+            </a:pPr>
+            <a:r>
+              <a:rPr lang="es-MX" sz="3200" b="1" dirty="0" smtClean="0">
+                <a:latin typeface="Roboto" pitchFamily="2" charset="0"/>
+                <a:ea typeface="Roboto" pitchFamily="2" charset="0"/>
+              </a:rPr>
+              <a:t>Creas el modelo con las migraciones</a:t>
+            </a:r>
+          </a:p>
+          <a:p>
+            <a:pPr>
+              <a:lnSpc>
+                <a:spcPct val="150000"/>
+              </a:lnSpc>
+              <a:buFont typeface="Arial" pitchFamily="34" charset="0"/>
+              <a:buChar char="•"/>
+            </a:pPr>
+            <a:r>
+              <a:rPr lang="es-MX" sz="3200" b="1" dirty="0" smtClean="0">
+                <a:latin typeface="Roboto" pitchFamily="2" charset="0"/>
+                <a:ea typeface="Roboto" pitchFamily="2" charset="0"/>
+              </a:rPr>
+              <a:t>Agregas, modificas y eliminas con los métodos de la clase del </a:t>
+            </a:r>
+            <a:r>
+              <a:rPr lang="es-MX" sz="3200" b="1" dirty="0" err="1" smtClean="0">
+                <a:latin typeface="Roboto" pitchFamily="2" charset="0"/>
+                <a:ea typeface="Roboto" pitchFamily="2" charset="0"/>
+              </a:rPr>
+              <a:t>DbContext</a:t>
+            </a:r>
+            <a:endParaRPr lang="es-MX" sz="3200" b="1" dirty="0" smtClean="0">
+              <a:latin typeface="Roboto" pitchFamily="2" charset="0"/>
+              <a:ea typeface="Roboto" pitchFamily="2" charset="0"/>
+            </a:endParaRPr>
+          </a:p>
+          <a:p>
+            <a:pPr>
+              <a:lnSpc>
+                <a:spcPct val="150000"/>
+              </a:lnSpc>
+              <a:buFont typeface="Arial" pitchFamily="34" charset="0"/>
+              <a:buChar char="•"/>
+            </a:pPr>
+            <a:r>
+              <a:rPr lang="es-MX" sz="3200" b="1" dirty="0" smtClean="0">
+                <a:latin typeface="Roboto" pitchFamily="2" charset="0"/>
+                <a:ea typeface="Roboto" pitchFamily="2" charset="0"/>
+              </a:rPr>
+              <a:t>Consultas con </a:t>
+            </a:r>
+            <a:r>
+              <a:rPr lang="es-MX" sz="3200" b="1" dirty="0" err="1" smtClean="0">
+                <a:latin typeface="Roboto" pitchFamily="2" charset="0"/>
+                <a:ea typeface="Roboto" pitchFamily="2" charset="0"/>
+              </a:rPr>
+              <a:t>Linq</a:t>
+            </a:r>
+            <a:r>
+              <a:rPr lang="es-MX" sz="3200" b="1" dirty="0" smtClean="0">
+                <a:latin typeface="Roboto" pitchFamily="2" charset="0"/>
+                <a:ea typeface="Roboto" pitchFamily="2" charset="0"/>
+              </a:rPr>
+              <a:t>. Evitando la carga de tipo </a:t>
+            </a:r>
+            <a:r>
+              <a:rPr lang="es-MX" sz="3200" b="1" dirty="0" err="1" smtClean="0">
+                <a:latin typeface="Roboto" pitchFamily="2" charset="0"/>
+                <a:ea typeface="Roboto" pitchFamily="2" charset="0"/>
+              </a:rPr>
+              <a:t>Eager</a:t>
+            </a:r>
+            <a:r>
+              <a:rPr lang="es-MX" sz="3200" b="1" dirty="0" smtClean="0">
+                <a:latin typeface="Roboto" pitchFamily="2" charset="0"/>
+                <a:ea typeface="Roboto" pitchFamily="2" charset="0"/>
+              </a:rPr>
+              <a:t> o </a:t>
+            </a:r>
+            <a:r>
+              <a:rPr lang="es-MX" sz="3200" b="1" dirty="0" err="1" smtClean="0">
+                <a:latin typeface="Roboto" pitchFamily="2" charset="0"/>
+                <a:ea typeface="Roboto" pitchFamily="2" charset="0"/>
+              </a:rPr>
+              <a:t>Lazy</a:t>
+            </a:r>
+            <a:endParaRPr lang="es-ES" sz="3200" b="1" dirty="0">
+              <a:latin typeface="Roboto" pitchFamily="2" charset="0"/>
+              <a:ea typeface="Roboto" pitchFamily="2" charset="0"/>
+            </a:endParaRPr>
+          </a:p>
+        </p:txBody>
+      </p:sp>
+    </p:spTree>
+  </p:cSld>
+  <p:clrMapOvr>
+    <a:masterClrMapping/>
+  </p:clrMapOvr>
+  <p:timing>
+    <p:tnLst>
+      <p:par>
+        <p:cTn id="1" dur="indefinite" restart="never" nodeType="tmRoot"/>
+      </p:par>
+    </p:tnLst>
+  </p:timing>
+</p:sld>
+</file>
+
+<file path=ppt/slides/slide28.xml><?xml version="1.0" encoding="utf-8"?>
+<p:sld xmlns:a="http://schemas.openxmlformats.org/drawingml/2006/main" xmlns:r="http://schemas.openxmlformats.org/officeDocument/2006/relationships" xmlns:p="http://schemas.openxmlformats.org/presentationml/2006/main">
+  <p:cSld>
+    <p:spTree>
+      <p:nvGrpSpPr>
+        <p:cNvPr id="1" name=""/>
+        <p:cNvGrpSpPr/>
+        <p:nvPr/>
+      </p:nvGrpSpPr>
+      <p:grpSpPr>
+        <a:xfrm>
+          <a:off x="0" y="0"/>
+          <a:ext cx="0" cy="0"/>
+          <a:chOff x="0" y="0"/>
+          <a:chExt cx="0" cy="0"/>
+        </a:xfrm>
+      </p:grpSpPr>
+      <p:sp>
+        <p:nvSpPr>
+          <p:cNvPr id="2" name="1 Título"/>
+          <p:cNvSpPr>
+            <a:spLocks noGrp="1"/>
+          </p:cNvSpPr>
+          <p:nvPr>
+            <p:ph type="title"/>
+          </p:nvPr>
+        </p:nvSpPr>
+        <p:spPr>
+          <a:xfrm>
+            <a:off x="457200" y="228865"/>
+            <a:ext cx="8229600" cy="914124"/>
+          </a:xfrm>
+        </p:spPr>
+        <p:txBody>
+          <a:bodyPr>
+            <a:normAutofit/>
+          </a:bodyPr>
+          <a:lstStyle/>
+          <a:p>
+            <a:r>
+              <a:rPr lang="es-MX" b="1" dirty="0" smtClean="0">
+                <a:latin typeface="Roboto" pitchFamily="2" charset="0"/>
+                <a:ea typeface="Roboto" pitchFamily="2" charset="0"/>
+              </a:rPr>
+              <a:t>Consultas</a:t>
+            </a:r>
+            <a:endParaRPr lang="es-ES" b="1" dirty="0">
+              <a:latin typeface="Roboto" pitchFamily="2" charset="0"/>
+              <a:ea typeface="Roboto" pitchFamily="2" charset="0"/>
+            </a:endParaRPr>
+          </a:p>
+        </p:txBody>
+      </p:sp>
+      <p:sp>
+        <p:nvSpPr>
+          <p:cNvPr id="17" name="16 CuadroTexto"/>
+          <p:cNvSpPr txBox="1"/>
+          <p:nvPr/>
+        </p:nvSpPr>
+        <p:spPr>
+          <a:xfrm>
+            <a:off x="500034" y="1357302"/>
+            <a:ext cx="8215370" cy="2308324"/>
+          </a:xfrm>
+          <a:prstGeom prst="rect">
+            <a:avLst/>
+          </a:prstGeom>
+          <a:noFill/>
+        </p:spPr>
+        <p:txBody>
+          <a:bodyPr wrap="square" rtlCol="0">
+            <a:spAutoFit/>
+          </a:bodyPr>
+          <a:lstStyle/>
+          <a:p>
+            <a:pPr>
+              <a:lnSpc>
+                <a:spcPct val="150000"/>
+              </a:lnSpc>
+              <a:buFont typeface="Arial" pitchFamily="34" charset="0"/>
+              <a:buChar char="•"/>
+            </a:pPr>
+            <a:r>
+              <a:rPr lang="es-MX" sz="3200" b="1" dirty="0" smtClean="0">
+                <a:latin typeface="Roboto" pitchFamily="2" charset="0"/>
+                <a:ea typeface="Roboto" pitchFamily="2" charset="0"/>
+              </a:rPr>
+              <a:t>@</a:t>
+            </a:r>
+            <a:r>
+              <a:rPr lang="es-MX" sz="3200" b="1" dirty="0" err="1" smtClean="0">
+                <a:latin typeface="Roboto" pitchFamily="2" charset="0"/>
+                <a:ea typeface="Roboto" pitchFamily="2" charset="0"/>
+              </a:rPr>
+              <a:t>CodigoFacilito</a:t>
+            </a:r>
+            <a:endParaRPr lang="es-MX" sz="3200" b="1" dirty="0" smtClean="0">
+              <a:latin typeface="Roboto" pitchFamily="2" charset="0"/>
+              <a:ea typeface="Roboto" pitchFamily="2" charset="0"/>
+            </a:endParaRPr>
+          </a:p>
+          <a:p>
+            <a:pPr>
+              <a:lnSpc>
+                <a:spcPct val="150000"/>
+              </a:lnSpc>
+              <a:buFont typeface="Arial" pitchFamily="34" charset="0"/>
+              <a:buChar char="•"/>
+            </a:pPr>
+            <a:r>
+              <a:rPr lang="es-MX" sz="3200" b="1" dirty="0" smtClean="0">
+                <a:latin typeface="Roboto" pitchFamily="2" charset="0"/>
+                <a:ea typeface="Roboto" pitchFamily="2" charset="0"/>
+              </a:rPr>
+              <a:t>@</a:t>
+            </a:r>
+            <a:r>
+              <a:rPr lang="es-MX" sz="3200" b="1" dirty="0" err="1" smtClean="0">
+                <a:latin typeface="Roboto" pitchFamily="2" charset="0"/>
+                <a:ea typeface="Roboto" pitchFamily="2" charset="0"/>
+              </a:rPr>
+              <a:t>marclinux</a:t>
+            </a:r>
+            <a:endParaRPr lang="es-MX" sz="3200" b="1" dirty="0" smtClean="0">
+              <a:latin typeface="Roboto" pitchFamily="2" charset="0"/>
+              <a:ea typeface="Roboto" pitchFamily="2" charset="0"/>
+            </a:endParaRPr>
+          </a:p>
+          <a:p>
+            <a:pPr>
+              <a:lnSpc>
+                <a:spcPct val="150000"/>
+              </a:lnSpc>
+              <a:buFont typeface="Arial" pitchFamily="34" charset="0"/>
+              <a:buChar char="•"/>
+            </a:pPr>
+            <a:r>
+              <a:rPr lang="es-MX" sz="3200" b="1" smtClean="0">
+                <a:latin typeface="Roboto" pitchFamily="2" charset="0"/>
+                <a:ea typeface="Roboto" pitchFamily="2" charset="0"/>
+              </a:rPr>
+              <a:t>marclinux@yahoo.com</a:t>
+            </a:r>
+            <a:endParaRPr lang="es-ES" sz="3200" b="1" dirty="0">
               <a:latin typeface="Roboto" pitchFamily="2" charset="0"/>
               <a:ea typeface="Roboto" pitchFamily="2" charset="0"/>
             </a:endParaRPr>
